--- a/additional-documentation/presentation-20200313.pptx
+++ b/additional-documentation/presentation-20200313.pptx
@@ -3073,7 +3073,7 @@
           <a:p>
             <a:fld id="{25F24DE8-81DF-7C45-BF01-B3AC44ECE443}" type="datetimeFigureOut">
               <a:rPr lang="en-US" smtClean="0"/>
-              <a:t>3/24/21</a:t>
+              <a:t>7/6/21</a:t>
             </a:fld>
             <a:endParaRPr lang="en-US"/>
           </a:p>
@@ -5777,7 +5777,7 @@
           <a:p>
             <a:fld id="{3C04E684-10F4-4CC3-A0B9-F03AA7BE37CF}" type="datetimeFigureOut">
               <a:rPr lang="en-US" smtClean="0"/>
-              <a:t>3/24/21</a:t>
+              <a:t>7/6/21</a:t>
             </a:fld>
             <a:endParaRPr lang="en-US"/>
           </a:p>
@@ -8267,7 +8267,7 @@
           <a:p>
             <a:fld id="{3C04E684-10F4-4CC3-A0B9-F03AA7BE37CF}" type="datetimeFigureOut">
               <a:rPr lang="en-US" smtClean="0"/>
-              <a:t>3/24/21</a:t>
+              <a:t>7/6/21</a:t>
             </a:fld>
             <a:endParaRPr lang="en-US"/>
           </a:p>
@@ -8465,7 +8465,7 @@
           <a:p>
             <a:fld id="{3C04E684-10F4-4CC3-A0B9-F03AA7BE37CF}" type="datetimeFigureOut">
               <a:rPr lang="en-US" smtClean="0"/>
-              <a:t>3/24/21</a:t>
+              <a:t>7/6/21</a:t>
             </a:fld>
             <a:endParaRPr lang="en-US"/>
           </a:p>
@@ -8673,7 +8673,7 @@
           <a:p>
             <a:fld id="{3C04E684-10F4-4CC3-A0B9-F03AA7BE37CF}" type="datetimeFigureOut">
               <a:rPr lang="en-US" smtClean="0"/>
-              <a:t>3/24/21</a:t>
+              <a:t>7/6/21</a:t>
             </a:fld>
             <a:endParaRPr lang="en-US"/>
           </a:p>
@@ -8895,7 +8895,7 @@
           <a:p>
             <a:fld id="{02AC24A9-CCB6-4F8D-B8DB-C2F3692CFA5A}" type="datetimeFigureOut">
               <a:rPr lang="en-US" smtClean="0"/>
-              <a:t>3/24/21</a:t>
+              <a:t>7/6/21</a:t>
             </a:fld>
             <a:endParaRPr lang="en-US" dirty="0"/>
           </a:p>
@@ -9095,7 +9095,7 @@
           <a:p>
             <a:fld id="{02AC24A9-CCB6-4F8D-B8DB-C2F3692CFA5A}" type="datetimeFigureOut">
               <a:rPr lang="en-US" smtClean="0"/>
-              <a:t>3/24/21</a:t>
+              <a:t>7/6/21</a:t>
             </a:fld>
             <a:endParaRPr lang="en-US"/>
           </a:p>
@@ -9371,7 +9371,7 @@
           <a:p>
             <a:fld id="{02AC24A9-CCB6-4F8D-B8DB-C2F3692CFA5A}" type="datetimeFigureOut">
               <a:rPr lang="en-US" smtClean="0"/>
-              <a:t>3/24/21</a:t>
+              <a:t>7/6/21</a:t>
             </a:fld>
             <a:endParaRPr lang="en-US"/>
           </a:p>
@@ -9639,7 +9639,7 @@
           <a:p>
             <a:fld id="{02AC24A9-CCB6-4F8D-B8DB-C2F3692CFA5A}" type="datetimeFigureOut">
               <a:rPr lang="en-US" smtClean="0"/>
-              <a:t>3/24/21</a:t>
+              <a:t>7/6/21</a:t>
             </a:fld>
             <a:endParaRPr lang="en-US"/>
           </a:p>
@@ -10054,7 +10054,7 @@
           <a:p>
             <a:fld id="{02AC24A9-CCB6-4F8D-B8DB-C2F3692CFA5A}" type="datetimeFigureOut">
               <a:rPr lang="en-US" smtClean="0"/>
-              <a:t>3/24/21</a:t>
+              <a:t>7/6/21</a:t>
             </a:fld>
             <a:endParaRPr lang="en-US"/>
           </a:p>
@@ -10196,7 +10196,7 @@
           <a:p>
             <a:fld id="{02AC24A9-CCB6-4F8D-B8DB-C2F3692CFA5A}" type="datetimeFigureOut">
               <a:rPr lang="en-US" smtClean="0"/>
-              <a:t>3/24/21</a:t>
+              <a:t>7/6/21</a:t>
             </a:fld>
             <a:endParaRPr lang="en-US"/>
           </a:p>
@@ -10309,7 +10309,7 @@
           <a:p>
             <a:fld id="{02AC24A9-CCB6-4F8D-B8DB-C2F3692CFA5A}" type="datetimeFigureOut">
               <a:rPr lang="en-US" smtClean="0"/>
-              <a:t>3/24/21</a:t>
+              <a:t>7/6/21</a:t>
             </a:fld>
             <a:endParaRPr lang="en-US"/>
           </a:p>
@@ -11046,7 +11046,7 @@
           <a:p>
             <a:fld id="{3C04E684-10F4-4CC3-A0B9-F03AA7BE37CF}" type="datetimeFigureOut">
               <a:rPr lang="en-US" smtClean="0"/>
-              <a:t>3/24/21</a:t>
+              <a:t>7/6/21</a:t>
             </a:fld>
             <a:endParaRPr lang="en-US"/>
           </a:p>
@@ -11359,7 +11359,7 @@
           <a:p>
             <a:fld id="{02AC24A9-CCB6-4F8D-B8DB-C2F3692CFA5A}" type="datetimeFigureOut">
               <a:rPr lang="en-US" smtClean="0"/>
-              <a:t>3/24/21</a:t>
+              <a:t>7/6/21</a:t>
             </a:fld>
             <a:endParaRPr lang="en-US" dirty="0"/>
           </a:p>
@@ -11648,7 +11648,7 @@
           <a:p>
             <a:fld id="{02AC24A9-CCB6-4F8D-B8DB-C2F3692CFA5A}" type="datetimeFigureOut">
               <a:rPr lang="en-US" smtClean="0"/>
-              <a:t>3/24/21</a:t>
+              <a:t>7/6/21</a:t>
             </a:fld>
             <a:endParaRPr lang="en-US"/>
           </a:p>
@@ -11848,7 +11848,7 @@
           <a:p>
             <a:fld id="{02AC24A9-CCB6-4F8D-B8DB-C2F3692CFA5A}" type="datetimeFigureOut">
               <a:rPr lang="en-US" smtClean="0"/>
-              <a:t>3/24/21</a:t>
+              <a:t>7/6/21</a:t>
             </a:fld>
             <a:endParaRPr lang="en-US"/>
           </a:p>
@@ -12058,7 +12058,7 @@
           <a:p>
             <a:fld id="{02AC24A9-CCB6-4F8D-B8DB-C2F3692CFA5A}" type="datetimeFigureOut">
               <a:rPr lang="en-US" smtClean="0"/>
-              <a:t>3/24/21</a:t>
+              <a:t>7/6/21</a:t>
             </a:fld>
             <a:endParaRPr lang="en-US"/>
           </a:p>
@@ -12700,7 +12700,7 @@
           <a:p>
             <a:fld id="{3C04E684-10F4-4CC3-A0B9-F03AA7BE37CF}" type="datetimeFigureOut">
               <a:rPr lang="en-US" smtClean="0"/>
-              <a:t>3/24/21</a:t>
+              <a:t>7/6/21</a:t>
             </a:fld>
             <a:endParaRPr lang="en-US"/>
           </a:p>
@@ -13500,7 +13500,7 @@
           <a:p>
             <a:fld id="{3C04E684-10F4-4CC3-A0B9-F03AA7BE37CF}" type="datetimeFigureOut">
               <a:rPr lang="en-US" smtClean="0"/>
-              <a:t>3/24/21</a:t>
+              <a:t>7/6/21</a:t>
             </a:fld>
             <a:endParaRPr lang="en-US"/>
           </a:p>
@@ -14451,7 +14451,7 @@
           <a:p>
             <a:fld id="{3C04E684-10F4-4CC3-A0B9-F03AA7BE37CF}" type="datetimeFigureOut">
               <a:rPr lang="en-US" smtClean="0"/>
-              <a:t>3/24/21</a:t>
+              <a:t>7/6/21</a:t>
             </a:fld>
             <a:endParaRPr lang="en-US"/>
           </a:p>
@@ -16800,7 +16800,7 @@
           <a:p>
             <a:fld id="{3C04E684-10F4-4CC3-A0B9-F03AA7BE37CF}" type="datetimeFigureOut">
               <a:rPr lang="en-US" smtClean="0"/>
-              <a:t>3/24/21</a:t>
+              <a:t>7/6/21</a:t>
             </a:fld>
             <a:endParaRPr lang="en-US"/>
           </a:p>
@@ -16913,7 +16913,7 @@
           <a:p>
             <a:fld id="{3C04E684-10F4-4CC3-A0B9-F03AA7BE37CF}" type="datetimeFigureOut">
               <a:rPr lang="en-US" smtClean="0"/>
-              <a:t>3/24/21</a:t>
+              <a:t>7/6/21</a:t>
             </a:fld>
             <a:endParaRPr lang="en-US"/>
           </a:p>
@@ -17420,7 +17420,7 @@
           <a:p>
             <a:fld id="{3C04E684-10F4-4CC3-A0B9-F03AA7BE37CF}" type="datetimeFigureOut">
               <a:rPr lang="en-US" smtClean="0"/>
-              <a:t>3/24/21</a:t>
+              <a:t>7/6/21</a:t>
             </a:fld>
             <a:endParaRPr lang="en-US"/>
           </a:p>
@@ -18723,7 +18723,7 @@
           <a:p>
             <a:fld id="{3C04E684-10F4-4CC3-A0B9-F03AA7BE37CF}" type="datetimeFigureOut">
               <a:rPr lang="en-US" smtClean="0"/>
-              <a:t>3/24/21</a:t>
+              <a:t>7/6/21</a:t>
             </a:fld>
             <a:endParaRPr lang="en-US"/>
           </a:p>
@@ -18970,7 +18970,7 @@
           <a:p>
             <a:fld id="{3C04E684-10F4-4CC3-A0B9-F03AA7BE37CF}" type="datetimeFigureOut">
               <a:rPr lang="en-US" smtClean="0"/>
-              <a:t>3/24/21</a:t>
+              <a:t>7/6/21</a:t>
             </a:fld>
             <a:endParaRPr lang="en-US"/>
           </a:p>
@@ -19541,7 +19541,7 @@
           <a:p>
             <a:fld id="{02AC24A9-CCB6-4F8D-B8DB-C2F3692CFA5A}" type="datetimeFigureOut">
               <a:rPr lang="en-US" smtClean="0"/>
-              <a:t>3/24/21</a:t>
+              <a:t>7/6/21</a:t>
             </a:fld>
             <a:endParaRPr lang="en-US"/>
           </a:p>
@@ -27403,15 +27403,7 @@
             </a:pPr>
             <a:r>
               <a:rPr lang="en-US" dirty="0"/>
-              <a:t>Compatible with existing </a:t>
-            </a:r>
-            <a:r>
-              <a:rPr lang="en-US" dirty="0" err="1"/>
-              <a:t>ProteomeXchange</a:t>
-            </a:r>
-            <a:r>
-              <a:rPr lang="en-US" dirty="0"/>
-              <a:t> formats </a:t>
+              <a:t>Compatible with existing ProteomeXchange formats </a:t>
             </a:r>
             <a:r>
               <a:rPr lang="en-US" dirty="0" err="1"/>
@@ -27575,15 +27567,7 @@
             </a:pPr>
             <a:r>
               <a:rPr lang="en-US" sz="2000" dirty="0"/>
-              <a:t>Compatible with existing </a:t>
-            </a:r>
-            <a:r>
-              <a:rPr lang="en-US" sz="2000" dirty="0" err="1"/>
-              <a:t>ProteomeXchange</a:t>
-            </a:r>
-            <a:r>
-              <a:rPr lang="en-US" sz="2000" dirty="0"/>
-              <a:t> formats </a:t>
+              <a:t>Compatible with existing ProteomeXchange formats </a:t>
             </a:r>
             <a:r>
               <a:rPr lang="en-US" sz="2000" dirty="0" err="1"/>

--- a/additional-documentation/presentation-20200313.pptx
+++ b/additional-documentation/presentation-20200313.pptx
@@ -3073,7 +3073,7 @@
           <a:p>
             <a:fld id="{25F24DE8-81DF-7C45-BF01-B3AC44ECE443}" type="datetimeFigureOut">
               <a:rPr lang="en-US" smtClean="0"/>
-              <a:t>7/6/21</a:t>
+              <a:t>7/9/21</a:t>
             </a:fld>
             <a:endParaRPr lang="en-US"/>
           </a:p>
@@ -5777,7 +5777,7 @@
           <a:p>
             <a:fld id="{3C04E684-10F4-4CC3-A0B9-F03AA7BE37CF}" type="datetimeFigureOut">
               <a:rPr lang="en-US" smtClean="0"/>
-              <a:t>7/6/21</a:t>
+              <a:t>7/9/21</a:t>
             </a:fld>
             <a:endParaRPr lang="en-US"/>
           </a:p>
@@ -8267,7 +8267,7 @@
           <a:p>
             <a:fld id="{3C04E684-10F4-4CC3-A0B9-F03AA7BE37CF}" type="datetimeFigureOut">
               <a:rPr lang="en-US" smtClean="0"/>
-              <a:t>7/6/21</a:t>
+              <a:t>7/9/21</a:t>
             </a:fld>
             <a:endParaRPr lang="en-US"/>
           </a:p>
@@ -8465,7 +8465,7 @@
           <a:p>
             <a:fld id="{3C04E684-10F4-4CC3-A0B9-F03AA7BE37CF}" type="datetimeFigureOut">
               <a:rPr lang="en-US" smtClean="0"/>
-              <a:t>7/6/21</a:t>
+              <a:t>7/9/21</a:t>
             </a:fld>
             <a:endParaRPr lang="en-US"/>
           </a:p>
@@ -8673,7 +8673,7 @@
           <a:p>
             <a:fld id="{3C04E684-10F4-4CC3-A0B9-F03AA7BE37CF}" type="datetimeFigureOut">
               <a:rPr lang="en-US" smtClean="0"/>
-              <a:t>7/6/21</a:t>
+              <a:t>7/9/21</a:t>
             </a:fld>
             <a:endParaRPr lang="en-US"/>
           </a:p>
@@ -8895,7 +8895,7 @@
           <a:p>
             <a:fld id="{02AC24A9-CCB6-4F8D-B8DB-C2F3692CFA5A}" type="datetimeFigureOut">
               <a:rPr lang="en-US" smtClean="0"/>
-              <a:t>7/6/21</a:t>
+              <a:t>7/9/21</a:t>
             </a:fld>
             <a:endParaRPr lang="en-US" dirty="0"/>
           </a:p>
@@ -9095,7 +9095,7 @@
           <a:p>
             <a:fld id="{02AC24A9-CCB6-4F8D-B8DB-C2F3692CFA5A}" type="datetimeFigureOut">
               <a:rPr lang="en-US" smtClean="0"/>
-              <a:t>7/6/21</a:t>
+              <a:t>7/9/21</a:t>
             </a:fld>
             <a:endParaRPr lang="en-US"/>
           </a:p>
@@ -9371,7 +9371,7 @@
           <a:p>
             <a:fld id="{02AC24A9-CCB6-4F8D-B8DB-C2F3692CFA5A}" type="datetimeFigureOut">
               <a:rPr lang="en-US" smtClean="0"/>
-              <a:t>7/6/21</a:t>
+              <a:t>7/9/21</a:t>
             </a:fld>
             <a:endParaRPr lang="en-US"/>
           </a:p>
@@ -9639,7 +9639,7 @@
           <a:p>
             <a:fld id="{02AC24A9-CCB6-4F8D-B8DB-C2F3692CFA5A}" type="datetimeFigureOut">
               <a:rPr lang="en-US" smtClean="0"/>
-              <a:t>7/6/21</a:t>
+              <a:t>7/9/21</a:t>
             </a:fld>
             <a:endParaRPr lang="en-US"/>
           </a:p>
@@ -10054,7 +10054,7 @@
           <a:p>
             <a:fld id="{02AC24A9-CCB6-4F8D-B8DB-C2F3692CFA5A}" type="datetimeFigureOut">
               <a:rPr lang="en-US" smtClean="0"/>
-              <a:t>7/6/21</a:t>
+              <a:t>7/9/21</a:t>
             </a:fld>
             <a:endParaRPr lang="en-US"/>
           </a:p>
@@ -10196,7 +10196,7 @@
           <a:p>
             <a:fld id="{02AC24A9-CCB6-4F8D-B8DB-C2F3692CFA5A}" type="datetimeFigureOut">
               <a:rPr lang="en-US" smtClean="0"/>
-              <a:t>7/6/21</a:t>
+              <a:t>7/9/21</a:t>
             </a:fld>
             <a:endParaRPr lang="en-US"/>
           </a:p>
@@ -10309,7 +10309,7 @@
           <a:p>
             <a:fld id="{02AC24A9-CCB6-4F8D-B8DB-C2F3692CFA5A}" type="datetimeFigureOut">
               <a:rPr lang="en-US" smtClean="0"/>
-              <a:t>7/6/21</a:t>
+              <a:t>7/9/21</a:t>
             </a:fld>
             <a:endParaRPr lang="en-US"/>
           </a:p>
@@ -11046,7 +11046,7 @@
           <a:p>
             <a:fld id="{3C04E684-10F4-4CC3-A0B9-F03AA7BE37CF}" type="datetimeFigureOut">
               <a:rPr lang="en-US" smtClean="0"/>
-              <a:t>7/6/21</a:t>
+              <a:t>7/9/21</a:t>
             </a:fld>
             <a:endParaRPr lang="en-US"/>
           </a:p>
@@ -11359,7 +11359,7 @@
           <a:p>
             <a:fld id="{02AC24A9-CCB6-4F8D-B8DB-C2F3692CFA5A}" type="datetimeFigureOut">
               <a:rPr lang="en-US" smtClean="0"/>
-              <a:t>7/6/21</a:t>
+              <a:t>7/9/21</a:t>
             </a:fld>
             <a:endParaRPr lang="en-US" dirty="0"/>
           </a:p>
@@ -11648,7 +11648,7 @@
           <a:p>
             <a:fld id="{02AC24A9-CCB6-4F8D-B8DB-C2F3692CFA5A}" type="datetimeFigureOut">
               <a:rPr lang="en-US" smtClean="0"/>
-              <a:t>7/6/21</a:t>
+              <a:t>7/9/21</a:t>
             </a:fld>
             <a:endParaRPr lang="en-US"/>
           </a:p>
@@ -11848,7 +11848,7 @@
           <a:p>
             <a:fld id="{02AC24A9-CCB6-4F8D-B8DB-C2F3692CFA5A}" type="datetimeFigureOut">
               <a:rPr lang="en-US" smtClean="0"/>
-              <a:t>7/6/21</a:t>
+              <a:t>7/9/21</a:t>
             </a:fld>
             <a:endParaRPr lang="en-US"/>
           </a:p>
@@ -12058,7 +12058,7 @@
           <a:p>
             <a:fld id="{02AC24A9-CCB6-4F8D-B8DB-C2F3692CFA5A}" type="datetimeFigureOut">
               <a:rPr lang="en-US" smtClean="0"/>
-              <a:t>7/6/21</a:t>
+              <a:t>7/9/21</a:t>
             </a:fld>
             <a:endParaRPr lang="en-US"/>
           </a:p>
@@ -12700,7 +12700,7 @@
           <a:p>
             <a:fld id="{3C04E684-10F4-4CC3-A0B9-F03AA7BE37CF}" type="datetimeFigureOut">
               <a:rPr lang="en-US" smtClean="0"/>
-              <a:t>7/6/21</a:t>
+              <a:t>7/9/21</a:t>
             </a:fld>
             <a:endParaRPr lang="en-US"/>
           </a:p>
@@ -13500,7 +13500,7 @@
           <a:p>
             <a:fld id="{3C04E684-10F4-4CC3-A0B9-F03AA7BE37CF}" type="datetimeFigureOut">
               <a:rPr lang="en-US" smtClean="0"/>
-              <a:t>7/6/21</a:t>
+              <a:t>7/9/21</a:t>
             </a:fld>
             <a:endParaRPr lang="en-US"/>
           </a:p>
@@ -14451,7 +14451,7 @@
           <a:p>
             <a:fld id="{3C04E684-10F4-4CC3-A0B9-F03AA7BE37CF}" type="datetimeFigureOut">
               <a:rPr lang="en-US" smtClean="0"/>
-              <a:t>7/6/21</a:t>
+              <a:t>7/9/21</a:t>
             </a:fld>
             <a:endParaRPr lang="en-US"/>
           </a:p>
@@ -16800,7 +16800,7 @@
           <a:p>
             <a:fld id="{3C04E684-10F4-4CC3-A0B9-F03AA7BE37CF}" type="datetimeFigureOut">
               <a:rPr lang="en-US" smtClean="0"/>
-              <a:t>7/6/21</a:t>
+              <a:t>7/9/21</a:t>
             </a:fld>
             <a:endParaRPr lang="en-US"/>
           </a:p>
@@ -16913,7 +16913,7 @@
           <a:p>
             <a:fld id="{3C04E684-10F4-4CC3-A0B9-F03AA7BE37CF}" type="datetimeFigureOut">
               <a:rPr lang="en-US" smtClean="0"/>
-              <a:t>7/6/21</a:t>
+              <a:t>7/9/21</a:t>
             </a:fld>
             <a:endParaRPr lang="en-US"/>
           </a:p>
@@ -17420,7 +17420,7 @@
           <a:p>
             <a:fld id="{3C04E684-10F4-4CC3-A0B9-F03AA7BE37CF}" type="datetimeFigureOut">
               <a:rPr lang="en-US" smtClean="0"/>
-              <a:t>7/6/21</a:t>
+              <a:t>7/9/21</a:t>
             </a:fld>
             <a:endParaRPr lang="en-US"/>
           </a:p>
@@ -18723,7 +18723,7 @@
           <a:p>
             <a:fld id="{3C04E684-10F4-4CC3-A0B9-F03AA7BE37CF}" type="datetimeFigureOut">
               <a:rPr lang="en-US" smtClean="0"/>
-              <a:t>7/6/21</a:t>
+              <a:t>7/9/21</a:t>
             </a:fld>
             <a:endParaRPr lang="en-US"/>
           </a:p>
@@ -18970,7 +18970,7 @@
           <a:p>
             <a:fld id="{3C04E684-10F4-4CC3-A0B9-F03AA7BE37CF}" type="datetimeFigureOut">
               <a:rPr lang="en-US" smtClean="0"/>
-              <a:t>7/6/21</a:t>
+              <a:t>7/9/21</a:t>
             </a:fld>
             <a:endParaRPr lang="en-US"/>
           </a:p>
@@ -19541,7 +19541,7 @@
           <a:p>
             <a:fld id="{02AC24A9-CCB6-4F8D-B8DB-C2F3692CFA5A}" type="datetimeFigureOut">
               <a:rPr lang="en-US" smtClean="0"/>
-              <a:t>7/6/21</a:t>
+              <a:t>7/9/21</a:t>
             </a:fld>
             <a:endParaRPr lang="en-US"/>
           </a:p>
@@ -20177,7 +20177,7 @@
           <p:nvPr>
             <p:extLst>
               <p:ext uri="{D42A27DB-BD31-4B8C-83A1-F6EECF244321}">
-                <p14:modId xmlns:p14="http://schemas.microsoft.com/office/powerpoint/2010/main" val="2163707937"/>
+                <p14:modId xmlns:p14="http://schemas.microsoft.com/office/powerpoint/2010/main" val="3539671130"/>
               </p:ext>
             </p:extLst>
           </p:nvPr>
@@ -20352,12 +20352,12 @@
                     <a:p>
                       <a:pPr algn="l" fontAlgn="b"/>
                       <a:r>
-                        <a:rPr lang="en-GB" sz="1600" u="none" strike="noStrike">
+                        <a:rPr lang="en-GB" sz="1600" u="none" strike="noStrike" dirty="0">
                           <a:effectLst/>
                         </a:rPr>
-                        <a:t>NM</a:t>
+                        <a:t>NT</a:t>
                       </a:r>
-                      <a:endParaRPr lang="en-GB" sz="1600" b="0" i="0" u="none" strike="noStrike">
+                      <a:endParaRPr lang="en-GB" sz="1600" b="0" i="0" u="none" strike="noStrike" dirty="0">
                         <a:solidFill>
                           <a:srgbClr val="24292E"/>
                         </a:solidFill>
@@ -20375,12 +20375,12 @@
                     <a:p>
                       <a:pPr algn="l" fontAlgn="b"/>
                       <a:r>
-                        <a:rPr lang="en-GB" sz="1600" u="none" strike="noStrike">
+                        <a:rPr lang="en-GB" sz="1600" u="none" strike="noStrike" dirty="0">
                           <a:effectLst/>
                         </a:rPr>
-                        <a:t>NM=Acetylation</a:t>
+                        <a:t>NT=Acetylation</a:t>
                       </a:r>
-                      <a:endParaRPr lang="en-GB" sz="1600" b="0" i="0" u="none" strike="noStrike">
+                      <a:endParaRPr lang="en-GB" sz="1600" b="0" i="0" u="none" strike="noStrike" dirty="0">
                         <a:solidFill>
                           <a:srgbClr val="24292E"/>
                         </a:solidFill>
@@ -21298,7 +21298,7 @@
           <p:nvPr>
             <p:extLst>
               <p:ext uri="{D42A27DB-BD31-4B8C-83A1-F6EECF244321}">
-                <p14:modId xmlns:p14="http://schemas.microsoft.com/office/powerpoint/2010/main" val="61692106"/>
+                <p14:modId xmlns:p14="http://schemas.microsoft.com/office/powerpoint/2010/main" val="3533930059"/>
               </p:ext>
             </p:extLst>
           </p:nvPr>
@@ -23016,12 +23016,12 @@
                     <a:p>
                       <a:pPr algn="l" fontAlgn="b"/>
                       <a:r>
-                        <a:rPr lang="en-GB" sz="1400" u="none" strike="noStrike">
+                        <a:rPr lang="en-GB" sz="1400" u="none" strike="noStrike" dirty="0">
                           <a:effectLst/>
                         </a:rPr>
                         <a:t>characteristics[cell type]</a:t>
                       </a:r>
-                      <a:endParaRPr lang="en-GB" sz="1400" b="0" i="0" u="none" strike="noStrike">
+                      <a:endParaRPr lang="en-GB" sz="1400" b="0" i="0" u="none" strike="noStrike" dirty="0">
                         <a:solidFill>
                           <a:srgbClr val="24292E"/>
                         </a:solidFill>
@@ -23322,12 +23322,12 @@
                     <a:p>
                       <a:pPr algn="l" fontAlgn="b"/>
                       <a:r>
-                        <a:rPr lang="en-GB" sz="1400" u="none" strike="noStrike">
+                        <a:rPr lang="en-GB" sz="1400" u="none" strike="noStrike" dirty="0">
                           <a:effectLst/>
                         </a:rPr>
-                        <a:t>characteristics[cell line Code]</a:t>
+                        <a:t>characteristics[cell line]</a:t>
                       </a:r>
-                      <a:endParaRPr lang="en-GB" sz="1400" b="0" i="0" u="none" strike="noStrike">
+                      <a:endParaRPr lang="en-GB" sz="1400" b="0" i="0" u="none" strike="noStrike" dirty="0">
                         <a:solidFill>
                           <a:srgbClr val="24292E"/>
                         </a:solidFill>
